--- a/reports/IRD/images/semus-external.pptx
+++ b/reports/IRD/images/semus-external.pptx
@@ -3854,8 +3854,8 @@
         </p:nvSpPr>
         <p:spPr>
           <a:xfrm>
-            <a:off x="138694" y="3315483"/>
-            <a:ext cx="6646073" cy="3387353"/>
+            <a:off x="138694" y="3031353"/>
+            <a:ext cx="6646073" cy="3671484"/>
           </a:xfrm>
           <a:prstGeom prst="rect">
             <a:avLst/>
@@ -3957,7 +3957,7 @@
         </p:nvSpPr>
         <p:spPr>
           <a:xfrm>
-            <a:off x="482115" y="3811851"/>
+            <a:off x="554724" y="3987466"/>
             <a:ext cx="2842017" cy="665014"/>
           </a:xfrm>
           <a:prstGeom prst="rect">
@@ -4004,8 +4004,8 @@
         </p:nvSpPr>
         <p:spPr>
           <a:xfrm>
-            <a:off x="3627393" y="3808542"/>
-            <a:ext cx="2842017" cy="665014"/>
+            <a:off x="3616433" y="3982310"/>
+            <a:ext cx="1270878" cy="665014"/>
           </a:xfrm>
           <a:prstGeom prst="rect">
             <a:avLst/>
@@ -4152,8 +4152,8 @@
         </p:nvSpPr>
         <p:spPr>
           <a:xfrm>
-            <a:off x="4408933" y="46761"/>
-            <a:ext cx="7355681" cy="3169405"/>
+            <a:off x="4408933" y="29343"/>
+            <a:ext cx="7355681" cy="2944427"/>
           </a:xfrm>
           <a:prstGeom prst="rect">
             <a:avLst/>
@@ -4208,7 +4208,7 @@
         </p:nvSpPr>
         <p:spPr>
           <a:xfrm>
-            <a:off x="4987830" y="111280"/>
+            <a:off x="4987830" y="93862"/>
             <a:ext cx="2842017" cy="665014"/>
           </a:xfrm>
           <a:prstGeom prst="rect">
@@ -4255,7 +4255,7 @@
         </p:nvSpPr>
         <p:spPr>
           <a:xfrm>
-            <a:off x="4987830" y="1255514"/>
+            <a:off x="4987830" y="1238096"/>
             <a:ext cx="2842017" cy="665014"/>
           </a:xfrm>
           <a:prstGeom prst="rect">
@@ -4302,7 +4302,7 @@
         </p:nvSpPr>
         <p:spPr>
           <a:xfrm>
-            <a:off x="8242758" y="1291463"/>
+            <a:off x="8242758" y="1274045"/>
             <a:ext cx="2842017" cy="665014"/>
           </a:xfrm>
           <a:prstGeom prst="rect">
@@ -4349,7 +4349,7 @@
         </p:nvSpPr>
         <p:spPr>
           <a:xfrm>
-            <a:off x="6214750" y="2425988"/>
+            <a:off x="5453763" y="2199883"/>
             <a:ext cx="2842017" cy="665014"/>
           </a:xfrm>
           <a:prstGeom prst="rect">
@@ -4396,7 +4396,7 @@
         </p:nvSpPr>
         <p:spPr>
           <a:xfrm>
-            <a:off x="6036156" y="778336"/>
+            <a:off x="6036156" y="760918"/>
             <a:ext cx="357188" cy="437014"/>
           </a:xfrm>
           <a:prstGeom prst="downArrow">
@@ -4442,7 +4442,7 @@
         </p:nvSpPr>
         <p:spPr>
           <a:xfrm rot="16200000">
-            <a:off x="7884522" y="1369514"/>
+            <a:off x="7884522" y="1352096"/>
             <a:ext cx="357188" cy="437014"/>
           </a:xfrm>
           <a:prstGeom prst="downArrow">
@@ -4487,8 +4487,8 @@
           <p:nvPr/>
         </p:nvSpPr>
         <p:spPr>
-          <a:xfrm>
-            <a:off x="8423709" y="2012202"/>
+          <a:xfrm rot="3247834">
+            <a:off x="8423709" y="1994784"/>
             <a:ext cx="357188" cy="437014"/>
           </a:xfrm>
           <a:prstGeom prst="downArrow">
@@ -4637,7 +4637,7 @@
         </p:nvSpPr>
         <p:spPr>
           <a:xfrm rot="5400000">
-            <a:off x="5985404" y="3309853"/>
+            <a:off x="2519215" y="2365872"/>
             <a:ext cx="689778" cy="333195"/>
           </a:xfrm>
           <a:prstGeom prst="leftRightArrow">
@@ -4671,10 +4671,10 @@
       </p:sp>
       <p:sp>
         <p:nvSpPr>
-          <p:cNvPr id="33" name="Left-Right Arrow 32">
-            <a:extLst>
-              <a:ext uri="{FF2B5EF4-FFF2-40B4-BE49-F238E27FC236}">
-                <a16:creationId xmlns:a16="http://schemas.microsoft.com/office/drawing/2014/main" id="{35362825-5014-084C-AFCA-177A5E0DB9B4}"/>
+          <p:cNvPr id="34" name="Rectangle 33">
+            <a:extLst>
+              <a:ext uri="{FF2B5EF4-FFF2-40B4-BE49-F238E27FC236}">
+                <a16:creationId xmlns:a16="http://schemas.microsoft.com/office/drawing/2014/main" id="{B2A93FAA-034C-2D46-955E-6CC2AC1F7E8D}"/>
               </a:ext>
             </a:extLst>
           </p:cNvPr>
@@ -4682,9 +4682,103 @@
           <p:nvPr/>
         </p:nvSpPr>
         <p:spPr>
-          <a:xfrm rot="5400000">
-            <a:off x="2107721" y="2756782"/>
-            <a:ext cx="1471610" cy="333195"/>
+          <a:xfrm>
+            <a:off x="843966" y="363133"/>
+            <a:ext cx="2371724" cy="626949"/>
+          </a:xfrm>
+          <a:prstGeom prst="rect">
+            <a:avLst/>
+          </a:prstGeom>
+        </p:spPr>
+        <p:style>
+          <a:lnRef idx="2">
+            <a:schemeClr val="accent6"/>
+          </a:lnRef>
+          <a:fillRef idx="1">
+            <a:schemeClr val="lt1"/>
+          </a:fillRef>
+          <a:effectRef idx="0">
+            <a:schemeClr val="accent6"/>
+          </a:effectRef>
+          <a:fontRef idx="minor">
+            <a:schemeClr val="dk1"/>
+          </a:fontRef>
+        </p:style>
+        <p:txBody>
+          <a:bodyPr rtlCol="0" anchor="ctr"/>
+          <a:lstStyle/>
+          <a:p>
+            <a:pPr algn="ctr"/>
+            <a:r>
+              <a:rPr lang="en-LU" dirty="0"/>
+              <a:t>Test Suite</a:t>
+            </a:r>
+          </a:p>
+        </p:txBody>
+      </p:sp>
+      <p:sp>
+        <p:nvSpPr>
+          <p:cNvPr id="36" name="Rectangle 35">
+            <a:extLst>
+              <a:ext uri="{FF2B5EF4-FFF2-40B4-BE49-F238E27FC236}">
+                <a16:creationId xmlns:a16="http://schemas.microsoft.com/office/drawing/2014/main" id="{9C1A122D-2E97-9247-8C4E-D24034C7DE76}"/>
+              </a:ext>
+            </a:extLst>
+          </p:cNvPr>
+          <p:cNvSpPr/>
+          <p:nvPr/>
+        </p:nvSpPr>
+        <p:spPr>
+          <a:xfrm>
+            <a:off x="7829847" y="3560513"/>
+            <a:ext cx="3164771" cy="665014"/>
+          </a:xfrm>
+          <a:prstGeom prst="rect">
+            <a:avLst/>
+          </a:prstGeom>
+        </p:spPr>
+        <p:style>
+          <a:lnRef idx="2">
+            <a:schemeClr val="accent6"/>
+          </a:lnRef>
+          <a:fillRef idx="1">
+            <a:schemeClr val="lt1"/>
+          </a:fillRef>
+          <a:effectRef idx="0">
+            <a:schemeClr val="accent6"/>
+          </a:effectRef>
+          <a:fontRef idx="minor">
+            <a:schemeClr val="dk1"/>
+          </a:fontRef>
+        </p:style>
+        <p:txBody>
+          <a:bodyPr rtlCol="0" anchor="ctr"/>
+          <a:lstStyle/>
+          <a:p>
+            <a:pPr algn="ctr"/>
+            <a:r>
+              <a:rPr lang="en-LU" dirty="0"/>
+              <a:t>KLEE configuration file</a:t>
+            </a:r>
+          </a:p>
+        </p:txBody>
+      </p:sp>
+      <p:sp>
+        <p:nvSpPr>
+          <p:cNvPr id="38" name="Left-Right Arrow 37">
+            <a:extLst>
+              <a:ext uri="{FF2B5EF4-FFF2-40B4-BE49-F238E27FC236}">
+                <a16:creationId xmlns:a16="http://schemas.microsoft.com/office/drawing/2014/main" id="{11F59907-6FC0-9D46-9D75-8BF982C69BA4}"/>
+              </a:ext>
+            </a:extLst>
+          </p:cNvPr>
+          <p:cNvSpPr/>
+          <p:nvPr/>
+        </p:nvSpPr>
+        <p:spPr>
+          <a:xfrm rot="10800000">
+            <a:off x="6583499" y="3953549"/>
+            <a:ext cx="1054098" cy="357188"/>
           </a:xfrm>
           <a:prstGeom prst="leftRightArrow">
             <a:avLst/>
@@ -4717,10 +4811,10 @@
       </p:sp>
       <p:sp>
         <p:nvSpPr>
-          <p:cNvPr id="34" name="Rectangle 33">
-            <a:extLst>
-              <a:ext uri="{FF2B5EF4-FFF2-40B4-BE49-F238E27FC236}">
-                <a16:creationId xmlns:a16="http://schemas.microsoft.com/office/drawing/2014/main" id="{B2A93FAA-034C-2D46-955E-6CC2AC1F7E8D}"/>
+          <p:cNvPr id="40" name="Rectangle 39">
+            <a:extLst>
+              <a:ext uri="{FF2B5EF4-FFF2-40B4-BE49-F238E27FC236}">
+                <a16:creationId xmlns:a16="http://schemas.microsoft.com/office/drawing/2014/main" id="{24614C6C-4CAA-4348-8F8A-4CC1CD5B847F}"/>
               </a:ext>
             </a:extLst>
           </p:cNvPr>
@@ -4729,8 +4823,8 @@
         </p:nvSpPr>
         <p:spPr>
           <a:xfrm>
-            <a:off x="843966" y="363133"/>
-            <a:ext cx="2371724" cy="626949"/>
+            <a:off x="7866219" y="5407975"/>
+            <a:ext cx="3164771" cy="665014"/>
           </a:xfrm>
           <a:prstGeom prst="rect">
             <a:avLst/>
@@ -4757,17 +4851,17 @@
             <a:pPr algn="ctr"/>
             <a:r>
               <a:rPr lang="en-LU" dirty="0"/>
-              <a:t>Test Suite</a:t>
-            </a:r>
-          </a:p>
-        </p:txBody>
-      </p:sp>
-      <p:sp>
-        <p:nvSpPr>
-          <p:cNvPr id="36" name="Rectangle 35">
-            <a:extLst>
-              <a:ext uri="{FF2B5EF4-FFF2-40B4-BE49-F238E27FC236}">
-                <a16:creationId xmlns:a16="http://schemas.microsoft.com/office/drawing/2014/main" id="{9C1A122D-2E97-9247-8C4E-D24034C7DE76}"/>
+              <a:t>KLEE tests</a:t>
+            </a:r>
+          </a:p>
+        </p:txBody>
+      </p:sp>
+      <p:sp>
+        <p:nvSpPr>
+          <p:cNvPr id="41" name="Rectangle 40">
+            <a:extLst>
+              <a:ext uri="{FF2B5EF4-FFF2-40B4-BE49-F238E27FC236}">
+                <a16:creationId xmlns:a16="http://schemas.microsoft.com/office/drawing/2014/main" id="{5B18A94A-DCA4-C84C-9C14-36BA65E82C22}"/>
               </a:ext>
             </a:extLst>
           </p:cNvPr>
@@ -4776,8 +4870,8 @@
         </p:nvSpPr>
         <p:spPr>
           <a:xfrm>
-            <a:off x="7829847" y="3560513"/>
-            <a:ext cx="3164771" cy="665014"/>
+            <a:off x="598588" y="5685619"/>
+            <a:ext cx="5810250" cy="665014"/>
           </a:xfrm>
           <a:prstGeom prst="rect">
             <a:avLst/>
@@ -4803,18 +4897,19 @@
           <a:p>
             <a:pPr algn="ctr"/>
             <a:r>
-              <a:rPr lang="en-LU" dirty="0"/>
-              <a:t>KLEE configuration file</a:t>
-            </a:r>
-          </a:p>
-        </p:txBody>
-      </p:sp>
-      <p:sp>
-        <p:nvSpPr>
-          <p:cNvPr id="38" name="Left-Right Arrow 37">
-            <a:extLst>
-              <a:ext uri="{FF2B5EF4-FFF2-40B4-BE49-F238E27FC236}">
-                <a16:creationId xmlns:a16="http://schemas.microsoft.com/office/drawing/2014/main" id="{11F59907-6FC0-9D46-9D75-8BF982C69BA4}"/>
+              <a:rPr lang="en-US" dirty="0"/>
+              <a:t>Unit Test</a:t>
+            </a:r>
+            <a:endParaRPr lang="en-LU" dirty="0"/>
+          </a:p>
+        </p:txBody>
+      </p:sp>
+      <p:sp>
+        <p:nvSpPr>
+          <p:cNvPr id="42" name="Down Arrow 41">
+            <a:extLst>
+              <a:ext uri="{FF2B5EF4-FFF2-40B4-BE49-F238E27FC236}">
+                <a16:creationId xmlns:a16="http://schemas.microsoft.com/office/drawing/2014/main" id="{1BDE54CB-999D-A945-80E7-3ADCA96D0069}"/>
               </a:ext>
             </a:extLst>
           </p:cNvPr>
@@ -4822,11 +4917,11 @@
           <p:nvPr/>
         </p:nvSpPr>
         <p:spPr>
-          <a:xfrm rot="10800000">
-            <a:off x="6654790" y="3866812"/>
-            <a:ext cx="1054098" cy="357188"/>
-          </a:xfrm>
-          <a:prstGeom prst="leftRightArrow">
+          <a:xfrm>
+            <a:off x="8630766" y="4161230"/>
+            <a:ext cx="357188" cy="437014"/>
+          </a:xfrm>
+          <a:prstGeom prst="downArrow">
             <a:avLst/>
           </a:prstGeom>
         </p:spPr>
@@ -4857,10 +4952,10 @@
       </p:sp>
       <p:sp>
         <p:nvSpPr>
-          <p:cNvPr id="40" name="Rectangle 39">
-            <a:extLst>
-              <a:ext uri="{FF2B5EF4-FFF2-40B4-BE49-F238E27FC236}">
-                <a16:creationId xmlns:a16="http://schemas.microsoft.com/office/drawing/2014/main" id="{24614C6C-4CAA-4348-8F8A-4CC1CD5B847F}"/>
+          <p:cNvPr id="43" name="Down Arrow 42">
+            <a:extLst>
+              <a:ext uri="{FF2B5EF4-FFF2-40B4-BE49-F238E27FC236}">
+                <a16:creationId xmlns:a16="http://schemas.microsoft.com/office/drawing/2014/main" id="{F7078D09-9F79-AC46-85B5-33AB97292614}"/>
               </a:ext>
             </a:extLst>
           </p:cNvPr>
@@ -4869,102 +4964,7 @@
         </p:nvSpPr>
         <p:spPr>
           <a:xfrm>
-            <a:off x="7866219" y="5407975"/>
-            <a:ext cx="3164771" cy="665014"/>
-          </a:xfrm>
-          <a:prstGeom prst="rect">
-            <a:avLst/>
-          </a:prstGeom>
-        </p:spPr>
-        <p:style>
-          <a:lnRef idx="2">
-            <a:schemeClr val="accent6"/>
-          </a:lnRef>
-          <a:fillRef idx="1">
-            <a:schemeClr val="lt1"/>
-          </a:fillRef>
-          <a:effectRef idx="0">
-            <a:schemeClr val="accent6"/>
-          </a:effectRef>
-          <a:fontRef idx="minor">
-            <a:schemeClr val="dk1"/>
-          </a:fontRef>
-        </p:style>
-        <p:txBody>
-          <a:bodyPr rtlCol="0" anchor="ctr"/>
-          <a:lstStyle/>
-          <a:p>
-            <a:pPr algn="ctr"/>
-            <a:r>
-              <a:rPr lang="en-LU" dirty="0"/>
-              <a:t>KLEE tests</a:t>
-            </a:r>
-          </a:p>
-        </p:txBody>
-      </p:sp>
-      <p:sp>
-        <p:nvSpPr>
-          <p:cNvPr id="41" name="Rectangle 40">
-            <a:extLst>
-              <a:ext uri="{FF2B5EF4-FFF2-40B4-BE49-F238E27FC236}">
-                <a16:creationId xmlns:a16="http://schemas.microsoft.com/office/drawing/2014/main" id="{5B18A94A-DCA4-C84C-9C14-36BA65E82C22}"/>
-              </a:ext>
-            </a:extLst>
-          </p:cNvPr>
-          <p:cNvSpPr/>
-          <p:nvPr/>
-        </p:nvSpPr>
-        <p:spPr>
-          <a:xfrm>
-            <a:off x="598588" y="5685619"/>
-            <a:ext cx="5810250" cy="665014"/>
-          </a:xfrm>
-          <a:prstGeom prst="rect">
-            <a:avLst/>
-          </a:prstGeom>
-        </p:spPr>
-        <p:style>
-          <a:lnRef idx="2">
-            <a:schemeClr val="accent6"/>
-          </a:lnRef>
-          <a:fillRef idx="1">
-            <a:schemeClr val="lt1"/>
-          </a:fillRef>
-          <a:effectRef idx="0">
-            <a:schemeClr val="accent6"/>
-          </a:effectRef>
-          <a:fontRef idx="minor">
-            <a:schemeClr val="dk1"/>
-          </a:fontRef>
-        </p:style>
-        <p:txBody>
-          <a:bodyPr rtlCol="0" anchor="ctr"/>
-          <a:lstStyle/>
-          <a:p>
-            <a:pPr algn="ctr"/>
-            <a:r>
-              <a:rPr lang="en-US" dirty="0"/>
-              <a:t>Unit Test</a:t>
-            </a:r>
-            <a:endParaRPr lang="en-LU" dirty="0"/>
-          </a:p>
-        </p:txBody>
-      </p:sp>
-      <p:sp>
-        <p:nvSpPr>
-          <p:cNvPr id="42" name="Down Arrow 41">
-            <a:extLst>
-              <a:ext uri="{FF2B5EF4-FFF2-40B4-BE49-F238E27FC236}">
-                <a16:creationId xmlns:a16="http://schemas.microsoft.com/office/drawing/2014/main" id="{1BDE54CB-999D-A945-80E7-3ADCA96D0069}"/>
-              </a:ext>
-            </a:extLst>
-          </p:cNvPr>
-          <p:cNvSpPr/>
-          <p:nvPr/>
-        </p:nvSpPr>
-        <p:spPr>
-          <a:xfrm>
-            <a:off x="8630766" y="4161230"/>
+            <a:off x="8630766" y="5066953"/>
             <a:ext cx="357188" cy="437014"/>
           </a:xfrm>
           <a:prstGeom prst="downArrow">
@@ -4998,10 +4998,10 @@
       </p:sp>
       <p:sp>
         <p:nvSpPr>
-          <p:cNvPr id="43" name="Down Arrow 42">
-            <a:extLst>
-              <a:ext uri="{FF2B5EF4-FFF2-40B4-BE49-F238E27FC236}">
-                <a16:creationId xmlns:a16="http://schemas.microsoft.com/office/drawing/2014/main" id="{F7078D09-9F79-AC46-85B5-33AB97292614}"/>
+          <p:cNvPr id="44" name="Down Arrow 43">
+            <a:extLst>
+              <a:ext uri="{FF2B5EF4-FFF2-40B4-BE49-F238E27FC236}">
+                <a16:creationId xmlns:a16="http://schemas.microsoft.com/office/drawing/2014/main" id="{A0871F9D-798B-0649-B135-2989385183FB}"/>
               </a:ext>
             </a:extLst>
           </p:cNvPr>
@@ -5009,9 +5009,9 @@
           <p:nvPr/>
         </p:nvSpPr>
         <p:spPr>
-          <a:xfrm>
-            <a:off x="8630766" y="5066953"/>
-            <a:ext cx="357188" cy="437014"/>
+          <a:xfrm rot="5400000">
+            <a:off x="7003243" y="4807195"/>
+            <a:ext cx="357188" cy="1201561"/>
           </a:xfrm>
           <a:prstGeom prst="downArrow">
             <a:avLst/>
@@ -5044,10 +5044,10 @@
       </p:sp>
       <p:sp>
         <p:nvSpPr>
-          <p:cNvPr id="44" name="Down Arrow 43">
-            <a:extLst>
-              <a:ext uri="{FF2B5EF4-FFF2-40B4-BE49-F238E27FC236}">
-                <a16:creationId xmlns:a16="http://schemas.microsoft.com/office/drawing/2014/main" id="{A0871F9D-798B-0649-B135-2989385183FB}"/>
+          <p:cNvPr id="45" name="Down Arrow 44">
+            <a:extLst>
+              <a:ext uri="{FF2B5EF4-FFF2-40B4-BE49-F238E27FC236}">
+                <a16:creationId xmlns:a16="http://schemas.microsoft.com/office/drawing/2014/main" id="{561544F2-60D1-C242-8657-EDE57CA2A7CB}"/>
               </a:ext>
             </a:extLst>
           </p:cNvPr>
@@ -5055,9 +5055,9 @@
           <p:nvPr/>
         </p:nvSpPr>
         <p:spPr>
-          <a:xfrm rot="5400000">
-            <a:off x="7003243" y="4807195"/>
-            <a:ext cx="357188" cy="1201561"/>
+          <a:xfrm>
+            <a:off x="4732371" y="5367545"/>
+            <a:ext cx="357188" cy="437014"/>
           </a:xfrm>
           <a:prstGeom prst="downArrow">
             <a:avLst/>
@@ -5090,10 +5090,10 @@
       </p:sp>
       <p:sp>
         <p:nvSpPr>
-          <p:cNvPr id="45" name="Down Arrow 44">
-            <a:extLst>
-              <a:ext uri="{FF2B5EF4-FFF2-40B4-BE49-F238E27FC236}">
-                <a16:creationId xmlns:a16="http://schemas.microsoft.com/office/drawing/2014/main" id="{561544F2-60D1-C242-8657-EDE57CA2A7CB}"/>
+          <p:cNvPr id="30" name="Rectangle 29">
+            <a:extLst>
+              <a:ext uri="{FF2B5EF4-FFF2-40B4-BE49-F238E27FC236}">
+                <a16:creationId xmlns:a16="http://schemas.microsoft.com/office/drawing/2014/main" id="{02E8B8B4-29DC-2D49-8DFA-F74517DAA8D4}"/>
               </a:ext>
             </a:extLst>
           </p:cNvPr>
@@ -5102,10 +5102,242 @@
         </p:nvSpPr>
         <p:spPr>
           <a:xfrm>
-            <a:off x="4732371" y="5367545"/>
-            <a:ext cx="357188" cy="437014"/>
-          </a:xfrm>
-          <a:prstGeom prst="downArrow">
+            <a:off x="2103791" y="3201798"/>
+            <a:ext cx="2842017" cy="665014"/>
+          </a:xfrm>
+          <a:prstGeom prst="rect">
+            <a:avLst/>
+          </a:prstGeom>
+        </p:spPr>
+        <p:style>
+          <a:lnRef idx="2">
+            <a:schemeClr val="accent6"/>
+          </a:lnRef>
+          <a:fillRef idx="1">
+            <a:schemeClr val="lt1"/>
+          </a:fillRef>
+          <a:effectRef idx="0">
+            <a:schemeClr val="accent6"/>
+          </a:effectRef>
+          <a:fontRef idx="minor">
+            <a:schemeClr val="dk1"/>
+          </a:fontRef>
+        </p:style>
+        <p:txBody>
+          <a:bodyPr rtlCol="0" anchor="ctr"/>
+          <a:lstStyle/>
+          <a:p>
+            <a:pPr algn="ctr"/>
+            <a:r>
+              <a:rPr lang="en-LU" dirty="0"/>
+              <a:t>SEMuS Configuration File</a:t>
+            </a:r>
+          </a:p>
+        </p:txBody>
+      </p:sp>
+      <p:sp>
+        <p:nvSpPr>
+          <p:cNvPr id="31" name="Left-Right Arrow 30">
+            <a:extLst>
+              <a:ext uri="{FF2B5EF4-FFF2-40B4-BE49-F238E27FC236}">
+                <a16:creationId xmlns:a16="http://schemas.microsoft.com/office/drawing/2014/main" id="{A3CCF18F-516B-0B4C-AA99-D2DD592046D7}"/>
+              </a:ext>
+            </a:extLst>
+          </p:cNvPr>
+          <p:cNvSpPr/>
+          <p:nvPr/>
+        </p:nvSpPr>
+        <p:spPr>
+          <a:xfrm rot="9408848">
+            <a:off x="5020861" y="3041076"/>
+            <a:ext cx="948114" cy="333195"/>
+          </a:xfrm>
+          <a:prstGeom prst="leftRightArrow">
+            <a:avLst/>
+          </a:prstGeom>
+        </p:spPr>
+        <p:style>
+          <a:lnRef idx="2">
+            <a:schemeClr val="accent1">
+              <a:shade val="50000"/>
+            </a:schemeClr>
+          </a:lnRef>
+          <a:fillRef idx="1">
+            <a:schemeClr val="accent1"/>
+          </a:fillRef>
+          <a:effectRef idx="0">
+            <a:schemeClr val="accent1"/>
+          </a:effectRef>
+          <a:fontRef idx="minor">
+            <a:schemeClr val="lt1"/>
+          </a:fontRef>
+        </p:style>
+        <p:txBody>
+          <a:bodyPr rtlCol="0" anchor="ctr"/>
+          <a:lstStyle/>
+          <a:p>
+            <a:pPr algn="ctr"/>
+            <a:endParaRPr lang="en-LU"/>
+          </a:p>
+        </p:txBody>
+      </p:sp>
+      <p:sp>
+        <p:nvSpPr>
+          <p:cNvPr id="35" name="Left-Right Arrow 34">
+            <a:extLst>
+              <a:ext uri="{FF2B5EF4-FFF2-40B4-BE49-F238E27FC236}">
+                <a16:creationId xmlns:a16="http://schemas.microsoft.com/office/drawing/2014/main" id="{2235B545-2F1A-0543-8B01-C47C88AF898B}"/>
+              </a:ext>
+            </a:extLst>
+          </p:cNvPr>
+          <p:cNvSpPr/>
+          <p:nvPr/>
+        </p:nvSpPr>
+        <p:spPr>
+          <a:xfrm rot="5400000">
+            <a:off x="1905258" y="3769396"/>
+            <a:ext cx="488343" cy="333195"/>
+          </a:xfrm>
+          <a:prstGeom prst="leftRightArrow">
+            <a:avLst/>
+          </a:prstGeom>
+        </p:spPr>
+        <p:style>
+          <a:lnRef idx="2">
+            <a:schemeClr val="accent1">
+              <a:shade val="50000"/>
+            </a:schemeClr>
+          </a:lnRef>
+          <a:fillRef idx="1">
+            <a:schemeClr val="accent1"/>
+          </a:fillRef>
+          <a:effectRef idx="0">
+            <a:schemeClr val="accent1"/>
+          </a:effectRef>
+          <a:fontRef idx="minor">
+            <a:schemeClr val="lt1"/>
+          </a:fontRef>
+        </p:style>
+        <p:txBody>
+          <a:bodyPr rtlCol="0" anchor="ctr"/>
+          <a:lstStyle/>
+          <a:p>
+            <a:pPr algn="ctr"/>
+            <a:endParaRPr lang="en-LU"/>
+          </a:p>
+        </p:txBody>
+      </p:sp>
+      <p:sp>
+        <p:nvSpPr>
+          <p:cNvPr id="37" name="Left-Right Arrow 36">
+            <a:extLst>
+              <a:ext uri="{FF2B5EF4-FFF2-40B4-BE49-F238E27FC236}">
+                <a16:creationId xmlns:a16="http://schemas.microsoft.com/office/drawing/2014/main" id="{B6CDE972-8AAF-4F40-AAF1-FAE11E380622}"/>
+              </a:ext>
+            </a:extLst>
+          </p:cNvPr>
+          <p:cNvSpPr/>
+          <p:nvPr/>
+        </p:nvSpPr>
+        <p:spPr>
+          <a:xfrm rot="5400000">
+            <a:off x="3614239" y="3799657"/>
+            <a:ext cx="488343" cy="333195"/>
+          </a:xfrm>
+          <a:prstGeom prst="leftRightArrow">
+            <a:avLst/>
+          </a:prstGeom>
+        </p:spPr>
+        <p:style>
+          <a:lnRef idx="2">
+            <a:schemeClr val="accent1">
+              <a:shade val="50000"/>
+            </a:schemeClr>
+          </a:lnRef>
+          <a:fillRef idx="1">
+            <a:schemeClr val="accent1"/>
+          </a:fillRef>
+          <a:effectRef idx="0">
+            <a:schemeClr val="accent1"/>
+          </a:effectRef>
+          <a:fontRef idx="minor">
+            <a:schemeClr val="lt1"/>
+          </a:fontRef>
+        </p:style>
+        <p:txBody>
+          <a:bodyPr rtlCol="0" anchor="ctr"/>
+          <a:lstStyle/>
+          <a:p>
+            <a:pPr algn="ctr"/>
+            <a:endParaRPr lang="en-LU"/>
+          </a:p>
+        </p:txBody>
+      </p:sp>
+      <p:sp>
+        <p:nvSpPr>
+          <p:cNvPr id="39" name="Rectangle 38">
+            <a:extLst>
+              <a:ext uri="{FF2B5EF4-FFF2-40B4-BE49-F238E27FC236}">
+                <a16:creationId xmlns:a16="http://schemas.microsoft.com/office/drawing/2014/main" id="{B89EFC31-49AA-884C-8004-9A63788B978C}"/>
+              </a:ext>
+            </a:extLst>
+          </p:cNvPr>
+          <p:cNvSpPr/>
+          <p:nvPr/>
+        </p:nvSpPr>
+        <p:spPr>
+          <a:xfrm>
+            <a:off x="5053187" y="3957823"/>
+            <a:ext cx="1416223" cy="665014"/>
+          </a:xfrm>
+          <a:prstGeom prst="rect">
+            <a:avLst/>
+          </a:prstGeom>
+        </p:spPr>
+        <p:style>
+          <a:lnRef idx="2">
+            <a:schemeClr val="accent6"/>
+          </a:lnRef>
+          <a:fillRef idx="1">
+            <a:schemeClr val="lt1"/>
+          </a:fillRef>
+          <a:effectRef idx="0">
+            <a:schemeClr val="accent6"/>
+          </a:effectRef>
+          <a:fontRef idx="minor">
+            <a:schemeClr val="dk1"/>
+          </a:fontRef>
+        </p:style>
+        <p:txBody>
+          <a:bodyPr rtlCol="0" anchor="ctr"/>
+          <a:lstStyle/>
+          <a:p>
+            <a:pPr algn="ctr"/>
+            <a:r>
+              <a:rPr lang="en-LU" dirty="0"/>
+              <a:t>SEMu Wrapper</a:t>
+            </a:r>
+          </a:p>
+        </p:txBody>
+      </p:sp>
+      <p:sp>
+        <p:nvSpPr>
+          <p:cNvPr id="46" name="Left-Right Arrow 45">
+            <a:extLst>
+              <a:ext uri="{FF2B5EF4-FFF2-40B4-BE49-F238E27FC236}">
+                <a16:creationId xmlns:a16="http://schemas.microsoft.com/office/drawing/2014/main" id="{AF3240E4-2B57-5545-AB6D-540FC2D57208}"/>
+              </a:ext>
+            </a:extLst>
+          </p:cNvPr>
+          <p:cNvSpPr/>
+          <p:nvPr/>
+        </p:nvSpPr>
+        <p:spPr>
+          <a:xfrm>
+            <a:off x="4748536" y="4153582"/>
+            <a:ext cx="488343" cy="333195"/>
+          </a:xfrm>
+          <a:prstGeom prst="leftRightArrow">
             <a:avLst/>
           </a:prstGeom>
         </p:spPr>
